--- a/slide/ELASTICSEARCH.pptx
+++ b/slide/ELASTICSEARCH.pptx
@@ -24772,7 +24772,7 @@
               </a:defRPr>
             </a:pPr>
             <a:r>
-              <a:t>"&lt;field_name&gt;": "&lt;value&gt;",</a:t>
+              <a:t>"text": "&lt;value&gt;",</a:t>
             </a:r>
           </a:p>
           <a:p>
